--- a/Phoenix_ppt.pptx
+++ b/Phoenix_ppt.pptx
@@ -8,6 +8,7 @@
     <p:sldId id="257" r:id="rId2"/>
     <p:sldId id="258" r:id="rId3"/>
     <p:sldId id="259" r:id="rId4"/>
+    <p:sldId id="260" r:id="rId5"/>
   </p:sldIdLst>
   <p:sldSz cx="12192000" cy="6858000"/>
   <p:notesSz cx="6858000" cy="9144000"/>
@@ -113,6 +114,186 @@
     </p:ext>
   </p:extLst>
 </p:presentation>
+</file>
+
+<file path=ppt/changesInfos/changesInfo1.xml><?xml version="1.0" encoding="utf-8"?>
+<pc:chgInfo xmlns:a="http://schemas.openxmlformats.org/drawingml/2006/main" xmlns:r="http://schemas.openxmlformats.org/officeDocument/2006/relationships" xmlns:ac="http://schemas.microsoft.com/office/drawing/2013/main/command" xmlns:pc="http://schemas.microsoft.com/office/powerpoint/2013/main/command">
+  <pc:docChgLst>
+    <pc:chgData name="Анастасия Ларионова" userId="c69d0b4d7fdc4c9c" providerId="LiveId" clId="{4E7FC19C-C82A-4FFE-B123-DBDB98249C69}"/>
+    <pc:docChg chg="undo custSel addSld modSld">
+      <pc:chgData name="Анастасия Ларионова" userId="c69d0b4d7fdc4c9c" providerId="LiveId" clId="{4E7FC19C-C82A-4FFE-B123-DBDB98249C69}" dt="2024-10-12T09:45:35.712" v="153" actId="732"/>
+      <pc:docMkLst>
+        <pc:docMk/>
+      </pc:docMkLst>
+      <pc:sldChg chg="addSp delSp modSp mod">
+        <pc:chgData name="Анастасия Ларионова" userId="c69d0b4d7fdc4c9c" providerId="LiveId" clId="{4E7FC19C-C82A-4FFE-B123-DBDB98249C69}" dt="2024-10-12T09:30:59.488" v="66" actId="1076"/>
+        <pc:sldMkLst>
+          <pc:docMk/>
+          <pc:sldMk cId="3581100061" sldId="259"/>
+        </pc:sldMkLst>
+        <pc:spChg chg="mod">
+          <ac:chgData name="Анастасия Ларионова" userId="c69d0b4d7fdc4c9c" providerId="LiveId" clId="{4E7FC19C-C82A-4FFE-B123-DBDB98249C69}" dt="2024-10-12T09:30:42.905" v="63" actId="1076"/>
+          <ac:spMkLst>
+            <pc:docMk/>
+            <pc:sldMk cId="3581100061" sldId="259"/>
+            <ac:spMk id="5" creationId="{046FD75F-1D90-D740-12DF-27288D00E8EA}"/>
+          </ac:spMkLst>
+        </pc:spChg>
+        <pc:spChg chg="mod">
+          <ac:chgData name="Анастасия Ларионова" userId="c69d0b4d7fdc4c9c" providerId="LiveId" clId="{4E7FC19C-C82A-4FFE-B123-DBDB98249C69}" dt="2024-10-12T09:30:59.488" v="66" actId="1076"/>
+          <ac:spMkLst>
+            <pc:docMk/>
+            <pc:sldMk cId="3581100061" sldId="259"/>
+            <ac:spMk id="6" creationId="{4242F9EA-8020-E9DE-E650-1878DECA1864}"/>
+          </ac:spMkLst>
+        </pc:spChg>
+        <pc:picChg chg="add mod modCrop">
+          <ac:chgData name="Анастасия Ларионова" userId="c69d0b4d7fdc4c9c" providerId="LiveId" clId="{4E7FC19C-C82A-4FFE-B123-DBDB98249C69}" dt="2024-10-12T09:29:29.685" v="57" actId="1076"/>
+          <ac:picMkLst>
+            <pc:docMk/>
+            <pc:sldMk cId="3581100061" sldId="259"/>
+            <ac:picMk id="7" creationId="{94111A54-32D5-3366-B245-9CA49801ECEA}"/>
+          </ac:picMkLst>
+        </pc:picChg>
+        <pc:picChg chg="del">
+          <ac:chgData name="Анастасия Ларионова" userId="c69d0b4d7fdc4c9c" providerId="LiveId" clId="{4E7FC19C-C82A-4FFE-B123-DBDB98249C69}" dt="2024-10-12T08:43:44.917" v="0" actId="478"/>
+          <ac:picMkLst>
+            <pc:docMk/>
+            <pc:sldMk cId="3581100061" sldId="259"/>
+            <ac:picMk id="8" creationId="{D44D3D9F-11CE-1604-3423-26FAB75382E7}"/>
+          </ac:picMkLst>
+        </pc:picChg>
+        <pc:picChg chg="mod">
+          <ac:chgData name="Анастасия Ларионова" userId="c69d0b4d7fdc4c9c" providerId="LiveId" clId="{4E7FC19C-C82A-4FFE-B123-DBDB98249C69}" dt="2024-10-12T09:29:48.924" v="58" actId="732"/>
+          <ac:picMkLst>
+            <pc:docMk/>
+            <pc:sldMk cId="3581100061" sldId="259"/>
+            <ac:picMk id="1028" creationId="{52F006A4-6875-2EB4-8A17-BC49D8DCE497}"/>
+          </ac:picMkLst>
+        </pc:picChg>
+      </pc:sldChg>
+      <pc:sldChg chg="addSp delSp modSp add mod setBg">
+        <pc:chgData name="Анастасия Ларионова" userId="c69d0b4d7fdc4c9c" providerId="LiveId" clId="{4E7FC19C-C82A-4FFE-B123-DBDB98249C69}" dt="2024-10-12T09:45:35.712" v="153" actId="732"/>
+        <pc:sldMkLst>
+          <pc:docMk/>
+          <pc:sldMk cId="4173736631" sldId="260"/>
+        </pc:sldMkLst>
+        <pc:spChg chg="mod">
+          <ac:chgData name="Анастасия Ларионова" userId="c69d0b4d7fdc4c9c" providerId="LiveId" clId="{4E7FC19C-C82A-4FFE-B123-DBDB98249C69}" dt="2024-10-12T09:34:30.905" v="78" actId="20577"/>
+          <ac:spMkLst>
+            <pc:docMk/>
+            <pc:sldMk cId="4173736631" sldId="260"/>
+            <ac:spMk id="2" creationId="{CFC18859-E7A1-A51B-11E0-603B786058F6}"/>
+          </ac:spMkLst>
+        </pc:spChg>
+        <pc:spChg chg="mod">
+          <ac:chgData name="Анастасия Ларионова" userId="c69d0b4d7fdc4c9c" providerId="LiveId" clId="{4E7FC19C-C82A-4FFE-B123-DBDB98249C69}" dt="2024-10-12T09:31:17.642" v="69" actId="20577"/>
+          <ac:spMkLst>
+            <pc:docMk/>
+            <pc:sldMk cId="4173736631" sldId="260"/>
+            <ac:spMk id="4" creationId="{B73205CE-1AF6-D611-B20D-2A3C25D23DE8}"/>
+          </ac:spMkLst>
+        </pc:spChg>
+        <pc:spChg chg="del">
+          <ac:chgData name="Анастасия Ларионова" userId="c69d0b4d7fdc4c9c" providerId="LiveId" clId="{4E7FC19C-C82A-4FFE-B123-DBDB98249C69}" dt="2024-10-12T09:34:38.682" v="79" actId="478"/>
+          <ac:spMkLst>
+            <pc:docMk/>
+            <pc:sldMk cId="4173736631" sldId="260"/>
+            <ac:spMk id="5" creationId="{046FD75F-1D90-D740-12DF-27288D00E8EA}"/>
+          </ac:spMkLst>
+        </pc:spChg>
+        <pc:spChg chg="del">
+          <ac:chgData name="Анастасия Ларионова" userId="c69d0b4d7fdc4c9c" providerId="LiveId" clId="{4E7FC19C-C82A-4FFE-B123-DBDB98249C69}" dt="2024-10-12T09:34:41.403" v="80" actId="478"/>
+          <ac:spMkLst>
+            <pc:docMk/>
+            <pc:sldMk cId="4173736631" sldId="260"/>
+            <ac:spMk id="6" creationId="{4242F9EA-8020-E9DE-E650-1878DECA1864}"/>
+          </ac:spMkLst>
+        </pc:spChg>
+        <pc:spChg chg="add del mod">
+          <ac:chgData name="Анастасия Ларионова" userId="c69d0b4d7fdc4c9c" providerId="LiveId" clId="{4E7FC19C-C82A-4FFE-B123-DBDB98249C69}" dt="2024-10-12T09:44:28.307" v="142"/>
+          <ac:spMkLst>
+            <pc:docMk/>
+            <pc:sldMk cId="4173736631" sldId="260"/>
+            <ac:spMk id="8" creationId="{60A6BD6C-E03C-46D9-6ED9-7608639ED6C6}"/>
+          </ac:spMkLst>
+        </pc:spChg>
+        <pc:spChg chg="add del mod">
+          <ac:chgData name="Анастасия Ларионова" userId="c69d0b4d7fdc4c9c" providerId="LiveId" clId="{4E7FC19C-C82A-4FFE-B123-DBDB98249C69}" dt="2024-10-12T09:38:19.536" v="86"/>
+          <ac:spMkLst>
+            <pc:docMk/>
+            <pc:sldMk cId="4173736631" sldId="260"/>
+            <ac:spMk id="10" creationId="{B2276C87-933F-9E63-2DAE-1FAE7A2BF23E}"/>
+          </ac:spMkLst>
+        </pc:spChg>
+        <pc:spChg chg="add mod">
+          <ac:chgData name="Анастасия Ларионова" userId="c69d0b4d7fdc4c9c" providerId="LiveId" clId="{4E7FC19C-C82A-4FFE-B123-DBDB98249C69}" dt="2024-10-12T09:37:27.510" v="81"/>
+          <ac:spMkLst>
+            <pc:docMk/>
+            <pc:sldMk cId="4173736631" sldId="260"/>
+            <ac:spMk id="11" creationId="{492DFED2-F03D-2480-D48A-249FEEDD3505}"/>
+          </ac:spMkLst>
+        </pc:spChg>
+        <pc:spChg chg="add mod">
+          <ac:chgData name="Анастасия Ларионова" userId="c69d0b4d7fdc4c9c" providerId="LiveId" clId="{4E7FC19C-C82A-4FFE-B123-DBDB98249C69}" dt="2024-10-12T09:37:39.985" v="83" actId="14100"/>
+          <ac:spMkLst>
+            <pc:docMk/>
+            <pc:sldMk cId="4173736631" sldId="260"/>
+            <ac:spMk id="12" creationId="{CEBE5719-58C6-47DC-E585-634CF8860339}"/>
+          </ac:spMkLst>
+        </pc:spChg>
+        <pc:spChg chg="add del">
+          <ac:chgData name="Анастасия Ларионова" userId="c69d0b4d7fdc4c9c" providerId="LiveId" clId="{4E7FC19C-C82A-4FFE-B123-DBDB98249C69}" dt="2024-10-12T09:39:34.951" v="93" actId="22"/>
+          <ac:spMkLst>
+            <pc:docMk/>
+            <pc:sldMk cId="4173736631" sldId="260"/>
+            <ac:spMk id="16" creationId="{C27C81CB-6159-A1C7-EFD9-DDE89E132C45}"/>
+          </ac:spMkLst>
+        </pc:spChg>
+        <pc:spChg chg="add mod">
+          <ac:chgData name="Анастасия Ларионова" userId="c69d0b4d7fdc4c9c" providerId="LiveId" clId="{4E7FC19C-C82A-4FFE-B123-DBDB98249C69}" dt="2024-10-12T09:44:18.527" v="141" actId="478"/>
+          <ac:spMkLst>
+            <pc:docMk/>
+            <pc:sldMk cId="4173736631" sldId="260"/>
+            <ac:spMk id="18" creationId="{EA487DAE-7198-323A-2F81-8D697BC9B117}"/>
+          </ac:spMkLst>
+        </pc:spChg>
+        <pc:picChg chg="del">
+          <ac:chgData name="Анастасия Ларионова" userId="c69d0b4d7fdc4c9c" providerId="LiveId" clId="{4E7FC19C-C82A-4FFE-B123-DBDB98249C69}" dt="2024-10-12T09:32:41.847" v="70" actId="478"/>
+          <ac:picMkLst>
+            <pc:docMk/>
+            <pc:sldMk cId="4173736631" sldId="260"/>
+            <ac:picMk id="7" creationId="{94111A54-32D5-3366-B245-9CA49801ECEA}"/>
+          </ac:picMkLst>
+        </pc:picChg>
+        <pc:picChg chg="add del mod modCrop">
+          <ac:chgData name="Анастасия Ларионова" userId="c69d0b4d7fdc4c9c" providerId="LiveId" clId="{4E7FC19C-C82A-4FFE-B123-DBDB98249C69}" dt="2024-10-12T09:44:18.527" v="141" actId="478"/>
+          <ac:picMkLst>
+            <pc:docMk/>
+            <pc:sldMk cId="4173736631" sldId="260"/>
+            <ac:picMk id="14" creationId="{AC68B8A8-9492-E4E0-E1F5-BBF8D80913B2}"/>
+          </ac:picMkLst>
+        </pc:picChg>
+        <pc:picChg chg="add mod modCrop">
+          <ac:chgData name="Анастасия Ларионова" userId="c69d0b4d7fdc4c9c" providerId="LiveId" clId="{4E7FC19C-C82A-4FFE-B123-DBDB98249C69}" dt="2024-10-12T09:45:35.712" v="153" actId="732"/>
+          <ac:picMkLst>
+            <pc:docMk/>
+            <pc:sldMk cId="4173736631" sldId="260"/>
+            <ac:picMk id="20" creationId="{3309184E-DCAC-68AF-85FC-0B77C08A6B28}"/>
+          </ac:picMkLst>
+        </pc:picChg>
+        <pc:picChg chg="del">
+          <ac:chgData name="Анастасия Ларионова" userId="c69d0b4d7fdc4c9c" providerId="LiveId" clId="{4E7FC19C-C82A-4FFE-B123-DBDB98249C69}" dt="2024-10-12T09:32:43.646" v="71" actId="478"/>
+          <ac:picMkLst>
+            <pc:docMk/>
+            <pc:sldMk cId="4173736631" sldId="260"/>
+            <ac:picMk id="1028" creationId="{52F006A4-6875-2EB4-8A17-BC49D8DCE497}"/>
+          </ac:picMkLst>
+        </pc:picChg>
+      </pc:sldChg>
+    </pc:docChg>
+  </pc:docChgLst>
+</pc:chgInfo>
 </file>
 
 <file path=ppt/slideLayouts/slideLayout1.xml><?xml version="1.0" encoding="utf-8"?>
@@ -4580,8 +4761,8 @@
         </p:nvSpPr>
         <p:spPr>
           <a:xfrm>
-            <a:off x="1052215" y="804572"/>
-            <a:ext cx="5182255" cy="3074209"/>
+            <a:off x="1532111" y="955443"/>
+            <a:ext cx="8055537" cy="1709655"/>
           </a:xfrm>
         </p:spPr>
         <p:txBody>
@@ -4595,7 +4776,7 @@
             </a:pPr>
             <a:r>
               <a:rPr lang="ru-RU" sz="2200" dirty="0"/>
-              <a:t>В каталоге товаров ОАО «РЖД» нет единых стандартов для описания характеристик товаров, поэтому сложно сравнивать и классифицировать их. Учитывая большое количество данных, обработка вручную занимает много времени и может привести к ошибкам.</a:t>
+              <a:t>В каталоге товаров ОАО «РЖД» нет единых стандартов для описания характеристик товаров, поэтому сложно сравнивать и  классифицировать их. Учитывая большое количество данных, обработка вручную занимает много времени и может привести к ошибкам.</a:t>
             </a:r>
           </a:p>
         </p:txBody>
@@ -4618,8 +4799,8 @@
         </p:nvSpPr>
         <p:spPr>
           <a:xfrm>
-            <a:off x="6431935" y="2483404"/>
-            <a:ext cx="5181600" cy="3832615"/>
+            <a:off x="4855791" y="3091517"/>
+            <a:ext cx="6596200" cy="2911656"/>
           </a:xfrm>
         </p:spPr>
         <p:txBody>
@@ -4720,13 +4901,13 @@
               </a:ext>
             </a:extLst>
           </a:blip>
-          <a:srcRect b="28575"/>
+          <a:srcRect t="-1" b="43910"/>
           <a:stretch/>
         </p:blipFill>
         <p:spPr bwMode="auto">
           <a:xfrm>
-            <a:off x="1249680" y="4680966"/>
-            <a:ext cx="2971800" cy="2177034"/>
+            <a:off x="2045535" y="5148346"/>
+            <a:ext cx="2971800" cy="1709654"/>
           </a:xfrm>
           <a:prstGeom prst="rect">
             <a:avLst/>
@@ -4745,10 +4926,10 @@
       </p:pic>
       <p:pic>
         <p:nvPicPr>
-          <p:cNvPr id="8" name="Рисунок 7">
-            <a:extLst>
-              <a:ext uri="{FF2B5EF4-FFF2-40B4-BE49-F238E27FC236}">
-                <a16:creationId xmlns:a16="http://schemas.microsoft.com/office/drawing/2014/main" id="{D44D3D9F-11CE-1604-3423-26FAB75382E7}"/>
+          <p:cNvPr id="7" name="Рисунок 6">
+            <a:extLst>
+              <a:ext uri="{FF2B5EF4-FFF2-40B4-BE49-F238E27FC236}">
+                <a16:creationId xmlns:a16="http://schemas.microsoft.com/office/drawing/2014/main" id="{94111A54-32D5-3366-B245-9CA49801ECEA}"/>
               </a:ext>
             </a:extLst>
           </p:cNvPr>
@@ -4764,59 +4945,44 @@
                 <a14:imgProps xmlns:a14="http://schemas.microsoft.com/office/drawing/2010/main">
                   <a14:imgLayer r:embed="rId5">
                     <a14:imgEffect>
-                      <a14:backgroundRemoval t="7129" b="73145" l="9961" r="99805">
-                        <a14:foregroundMark x1="89063" y1="54980" x2="87793" y2="58105"/>
-                        <a14:foregroundMark x1="87942" y1="67439" x2="87695" y2="67969"/>
-                        <a14:foregroundMark x1="89242" y1="64654" x2="88067" y2="67173"/>
-                        <a14:foregroundMark x1="89746" y1="63574" x2="89487" y2="64129"/>
-                        <a14:foregroundMark x1="47461" y1="42188" x2="46680" y2="50781"/>
-                        <a14:foregroundMark x1="86816" y1="70117" x2="56250" y2="72949"/>
-                        <a14:foregroundMark x1="56250" y1="72949" x2="46875" y2="63770"/>
-                        <a14:foregroundMark x1="46875" y1="63770" x2="55371" y2="60059"/>
-                        <a14:foregroundMark x1="88549" y1="70609" x2="83301" y2="73145"/>
-                        <a14:foregroundMark x1="93678" y1="68130" x2="91690" y2="69091"/>
-                        <a14:foregroundMark x1="83301" y1="73145" x2="75781" y2="73047"/>
-                        <a14:foregroundMark x1="93876" y1="69302" x2="93498" y2="69590"/>
-                        <a14:foregroundMark x1="51660" y1="53613" x2="55371" y2="57324"/>
-                        <a14:foregroundMark x1="92871" y1="68359" x2="93262" y2="72070"/>
-                        <a14:foregroundMark x1="91016" y1="58105" x2="97266" y2="62695"/>
-                        <a14:foregroundMark x1="90152" y1="52410" x2="90744" y2="53449"/>
-                        <a14:foregroundMark x1="57031" y1="61035" x2="54102" y2="61328"/>
-                        <a14:foregroundMark x1="54590" y1="61035" x2="57910" y2="62109"/>
-                        <a14:foregroundMark x1="56250" y1="61719" x2="57031" y2="63770"/>
-                        <a14:backgroundMark x1="47104" y1="50819" x2="48242" y2="58008"/>
-                        <a14:backgroundMark x1="43652" y1="29004" x2="45773" y2="42409"/>
-                        <a14:backgroundMark x1="48242" y1="58008" x2="36035" y2="62207"/>
-                        <a14:backgroundMark x1="47266" y1="69922" x2="25586" y2="77148"/>
-                        <a14:backgroundMark x1="25586" y1="77148" x2="35156" y2="67188"/>
-                        <a14:backgroundMark x1="35156" y1="67188" x2="47168" y2="70801"/>
-                        <a14:backgroundMark x1="47168" y1="70801" x2="47949" y2="71875"/>
-                        <a14:backgroundMark x1="98194" y1="50484" x2="99512" y2="62695"/>
-                        <a14:backgroundMark x1="99512" y1="62695" x2="96582" y2="72266"/>
-                        <a14:backgroundMark x1="94431" y1="62639" x2="95898" y2="71289"/>
-                        <a14:backgroundMark x1="94121" y1="71980" x2="93457" y2="74414"/>
-                        <a14:backgroundMark x1="89746" y1="67188" x2="90527" y2="72754"/>
-                        <a14:backgroundMark x1="93492" y1="72046" x2="94043" y2="72656"/>
-                        <a14:backgroundMark x1="89746" y1="67090" x2="89746" y2="64941"/>
-                        <a14:backgroundMark x1="96387" y1="51270" x2="94141" y2="55762"/>
-                        <a14:backgroundMark x1="91016" y1="55371" x2="94238" y2="58105"/>
-                        <a14:backgroundMark x1="91016" y1="54395" x2="91016" y2="54395"/>
-                        <a14:backgroundMark x1="90527" y1="53613" x2="92285" y2="55469"/>
-                        <a14:backgroundMark x1="96700" y1="50330" x2="97266" y2="51660"/>
-                        <a14:backgroundMark x1="95313" y1="47070" x2="95509" y2="47531"/>
-                        <a14:backgroundMark x1="97377" y1="50400" x2="97070" y2="55664"/>
-                        <a14:backgroundMark x1="97559" y1="47266" x2="97495" y2="48361"/>
-                        <a14:backgroundMark x1="88574" y1="47168" x2="87207" y2="46484"/>
-                        <a14:backgroundMark x1="90918" y1="51563" x2="88574" y2="50586"/>
-                        <a14:backgroundMark x1="89551" y1="50391" x2="88672" y2="49023"/>
-                        <a14:backgroundMark x1="82813" y1="36328" x2="95996" y2="55859"/>
-                        <a14:backgroundMark x1="84668" y1="40234" x2="89941" y2="49805"/>
-                        <a14:backgroundMark x1="83301" y1="39941" x2="87598" y2="48145"/>
-                        <a14:backgroundMark x1="96973" y1="44727" x2="93066" y2="45996"/>
-                        <a14:backgroundMark x1="96094" y1="46680" x2="97656" y2="47363"/>
-                        <a14:backgroundMark x1="94238" y1="46777" x2="93066" y2="46973"/>
-                        <a14:backgroundMark x1="91211" y1="46680" x2="97461" y2="50781"/>
+                      <a14:backgroundRemoval t="10000" b="90000" l="10000" r="90000">
+                        <a14:foregroundMark x1="47656" y1="62207" x2="45977" y2="61653"/>
+                        <a14:foregroundMark x1="41504" y1="57813" x2="50000" y2="60254"/>
+                        <a14:foregroundMark x1="50000" y1="60254" x2="50098" y2="60449"/>
+                        <a14:foregroundMark x1="40625" y1="59082" x2="47949" y2="60840"/>
+                        <a14:foregroundMark x1="41309" y1="60547" x2="43652" y2="55566"/>
+                        <a14:foregroundMark x1="38477" y1="58203" x2="42969" y2="60254"/>
+                        <a14:backgroundMark x1="50293" y1="67676" x2="41406" y2="62793"/>
+                        <a14:backgroundMark x1="41406" y1="62793" x2="50293" y2="67676"/>
+                        <a14:backgroundMark x1="50293" y1="67676" x2="50391" y2="67676"/>
+                        <a14:backgroundMark x1="43652" y1="63281" x2="33496" y2="59863"/>
+                        <a14:backgroundMark x1="33496" y1="59863" x2="33496" y2="59863"/>
+                        <a14:backgroundMark x1="40940" y1="61542" x2="36133" y2="59570"/>
+                        <a14:backgroundMark x1="43750" y1="62695" x2="40988" y2="61562"/>
+                        <a14:backgroundMark x1="36133" y1="59570" x2="33887" y2="59375"/>
+                        <a14:backgroundMark x1="40957" y1="61496" x2="37305" y2="59863"/>
+                        <a14:backgroundMark x1="45605" y1="63574" x2="41008" y2="61519"/>
+                        <a14:backgroundMark x1="37305" y1="59863" x2="35254" y2="59570"/>
+                        <a14:backgroundMark x1="40842" y1="61808" x2="35547" y2="59570"/>
+                        <a14:backgroundMark x1="47559" y1="64648" x2="40867" y2="61819"/>
+                        <a14:backgroundMark x1="48145" y1="65137" x2="41805" y2="61583"/>
+                        <a14:backgroundMark x1="39258" y1="60156" x2="35938" y2="59668"/>
+                        <a14:backgroundMark x1="42658" y1="61138" x2="45313" y2="62402"/>
+                        <a14:backgroundMark x1="41504" y1="60861" x2="41504" y2="63184"/>
+                        <a14:backgroundMark x1="46191" y1="62500" x2="46777" y2="67383"/>
+                        <a14:backgroundMark x1="52344" y1="32324" x2="53125" y2="36230"/>
+                        <a14:backgroundMark x1="53320" y1="32031" x2="51270" y2="36426"/>
+                        <a14:backgroundMark x1="52930" y1="31836" x2="51758" y2="36230"/>
+                        <a14:backgroundMark x1="52930" y1="31543" x2="51953" y2="36426"/>
+                        <a14:backgroundMark x1="53418" y1="31543" x2="50977" y2="37402"/>
+                        <a14:backgroundMark x1="37109" y1="59668" x2="39648" y2="63477"/>
+                        <a14:backgroundMark x1="53613" y1="32031" x2="53711" y2="37402"/>
+                        <a14:backgroundMark x1="52539" y1="26074" x2="53125" y2="35449"/>
+                        <a14:backgroundMark x1="53320" y1="24609" x2="59766" y2="25684"/>
                       </a14:backgroundRemoval>
+                    </a14:imgEffect>
+                    <a14:imgEffect>
+                      <a14:sharpenSoften amount="25000"/>
                     </a14:imgEffect>
                   </a14:imgLayer>
                 </a14:imgProps>
@@ -4826,13 +4992,13 @@
               </a:ext>
             </a:extLst>
           </a:blip>
-          <a:srcRect b="27927"/>
+          <a:srcRect l="29846" t="12048" r="23133" b="31255"/>
           <a:stretch/>
         </p:blipFill>
         <p:spPr>
           <a:xfrm flipH="1">
-            <a:off x="1812557" y="3363552"/>
-            <a:ext cx="3859035" cy="2781318"/>
+            <a:off x="1532111" y="3429000"/>
+            <a:ext cx="2843784" cy="3429000"/>
           </a:xfrm>
           <a:prstGeom prst="rect">
             <a:avLst/>
@@ -4843,6 +5009,295 @@
     <p:extLst>
       <p:ext uri="{BB962C8B-B14F-4D97-AF65-F5344CB8AC3E}">
         <p14:creationId xmlns:p14="http://schemas.microsoft.com/office/powerpoint/2010/main" val="3581100061"/>
+      </p:ext>
+    </p:extLst>
+  </p:cSld>
+  <p:clrMapOvr>
+    <a:masterClrMapping/>
+  </p:clrMapOvr>
+</p:sld>
+</file>
+
+<file path=ppt/slides/slide4.xml><?xml version="1.0" encoding="utf-8"?>
+<p:sld xmlns:a="http://schemas.openxmlformats.org/drawingml/2006/main" xmlns:r="http://schemas.openxmlformats.org/officeDocument/2006/relationships" xmlns:p="http://schemas.openxmlformats.org/presentationml/2006/main">
+  <p:cSld>
+    <p:bg>
+      <p:bgPr>
+        <a:solidFill>
+          <a:srgbClr val="0B0909"/>
+        </a:solidFill>
+        <a:effectLst/>
+      </p:bgPr>
+    </p:bg>
+    <p:spTree>
+      <p:nvGrpSpPr>
+        <p:cNvPr id="1" name=""/>
+        <p:cNvGrpSpPr/>
+        <p:nvPr/>
+      </p:nvGrpSpPr>
+      <p:grpSpPr>
+        <a:xfrm>
+          <a:off x="0" y="0"/>
+          <a:ext cx="0" cy="0"/>
+          <a:chOff x="0" y="0"/>
+          <a:chExt cx="0" cy="0"/>
+        </a:xfrm>
+      </p:grpSpPr>
+      <p:sp>
+        <p:nvSpPr>
+          <p:cNvPr id="4" name="Прямоугольник 3">
+            <a:extLst>
+              <a:ext uri="{FF2B5EF4-FFF2-40B4-BE49-F238E27FC236}">
+                <a16:creationId xmlns:a16="http://schemas.microsoft.com/office/drawing/2014/main" id="{B73205CE-1AF6-D611-B20D-2A3C25D23DE8}"/>
+              </a:ext>
+            </a:extLst>
+          </p:cNvPr>
+          <p:cNvSpPr/>
+          <p:nvPr/>
+        </p:nvSpPr>
+        <p:spPr>
+          <a:xfrm>
+            <a:off x="159983" y="5869743"/>
+            <a:ext cx="861133" cy="892552"/>
+          </a:xfrm>
+          <a:prstGeom prst="rect">
+            <a:avLst/>
+          </a:prstGeom>
+          <a:noFill/>
+        </p:spPr>
+        <p:txBody>
+          <a:bodyPr wrap="none" lIns="91440" tIns="45720" rIns="91440" bIns="45720">
+            <a:spAutoFit/>
+          </a:bodyPr>
+          <a:lstStyle/>
+          <a:p>
+            <a:pPr algn="ctr"/>
+            <a:r>
+              <a:rPr lang="ru-RU" sz="5200" b="1" cap="none" spc="0" dirty="0">
+                <a:ln w="6600">
+                  <a:solidFill>
+                    <a:schemeClr val="accent2"/>
+                  </a:solidFill>
+                  <a:prstDash val="solid"/>
+                </a:ln>
+                <a:solidFill>
+                  <a:srgbClr val="FFFFFF"/>
+                </a:solidFill>
+                <a:effectLst>
+                  <a:outerShdw dist="38100" dir="2700000" algn="tl" rotWithShape="0">
+                    <a:schemeClr val="accent2"/>
+                  </a:outerShdw>
+                </a:effectLst>
+              </a:rPr>
+              <a:t>04</a:t>
+            </a:r>
+          </a:p>
+        </p:txBody>
+      </p:sp>
+      <p:sp>
+        <p:nvSpPr>
+          <p:cNvPr id="2" name="Прямоугольник 1">
+            <a:extLst>
+              <a:ext uri="{FF2B5EF4-FFF2-40B4-BE49-F238E27FC236}">
+                <a16:creationId xmlns:a16="http://schemas.microsoft.com/office/drawing/2014/main" id="{CFC18859-E7A1-A51B-11E0-603B786058F6}"/>
+              </a:ext>
+            </a:extLst>
+          </p:cNvPr>
+          <p:cNvSpPr/>
+          <p:nvPr/>
+        </p:nvSpPr>
+        <p:spPr>
+          <a:xfrm rot="16200000">
+            <a:off x="-850870" y="2638151"/>
+            <a:ext cx="2882841" cy="923330"/>
+          </a:xfrm>
+          <a:prstGeom prst="rect">
+            <a:avLst/>
+          </a:prstGeom>
+          <a:noFill/>
+        </p:spPr>
+        <p:txBody>
+          <a:bodyPr wrap="none" lIns="91440" tIns="45720" rIns="91440" bIns="45720">
+            <a:spAutoFit/>
+          </a:bodyPr>
+          <a:lstStyle/>
+          <a:p>
+            <a:pPr algn="ctr"/>
+            <a:r>
+              <a:rPr lang="ru-RU" sz="5400" b="1" cap="none" spc="0" dirty="0">
+                <a:ln w="6600">
+                  <a:solidFill>
+                    <a:schemeClr val="accent2"/>
+                  </a:solidFill>
+                  <a:prstDash val="solid"/>
+                </a:ln>
+                <a:solidFill>
+                  <a:srgbClr val="FFFFFF"/>
+                </a:solidFill>
+                <a:effectLst>
+                  <a:outerShdw dist="38100" dir="2700000" algn="tl" rotWithShape="0">
+                    <a:schemeClr val="accent2"/>
+                  </a:outerShdw>
+                </a:effectLst>
+              </a:rPr>
+              <a:t>Решение</a:t>
+            </a:r>
+          </a:p>
+        </p:txBody>
+      </p:sp>
+      <p:pic>
+        <p:nvPicPr>
+          <p:cNvPr id="20" name="Объект 19">
+            <a:extLst>
+              <a:ext uri="{FF2B5EF4-FFF2-40B4-BE49-F238E27FC236}">
+                <a16:creationId xmlns:a16="http://schemas.microsoft.com/office/drawing/2014/main" id="{3309184E-DCAC-68AF-85FC-0B77C08A6B28}"/>
+              </a:ext>
+            </a:extLst>
+          </p:cNvPr>
+          <p:cNvPicPr>
+            <a:picLocks noGrp="1" noChangeAspect="1"/>
+          </p:cNvPicPr>
+          <p:nvPr>
+            <p:ph sz="half" idx="1"/>
+          </p:nvPr>
+        </p:nvPicPr>
+        <p:blipFill>
+          <a:blip r:embed="rId2">
+            <a:extLst>
+              <a:ext uri="{28A0092B-C50C-407E-A947-70E740481C1C}">
+                <a14:useLocalDpi xmlns:a14="http://schemas.microsoft.com/office/drawing/2010/main" val="0"/>
+              </a:ext>
+            </a:extLst>
+          </a:blip>
+          <a:srcRect l="5240" t="5817" r="4400" b="4803"/>
+          <a:stretch/>
+        </p:blipFill>
+        <p:spPr>
+          <a:xfrm flipH="1">
+            <a:off x="1103374" y="2968751"/>
+            <a:ext cx="3931921" cy="3889249"/>
+          </a:xfrm>
+        </p:spPr>
+      </p:pic>
+      <p:sp>
+        <p:nvSpPr>
+          <p:cNvPr id="11" name="AutoShape 2" descr="A majestic phoenix bird, glowing with fiery red and orange feathers, looking joyful and satisfied. The phoenix is radiating warmth and energy against a pure black background, with its feathers illuminated as if they are made of flames. The bird's expression should be content, with a proud posture, wings slightly spread, and a powerful, radiant glow that contrasts vividly against the dark backdrop.">
+            <a:extLst>
+              <a:ext uri="{FF2B5EF4-FFF2-40B4-BE49-F238E27FC236}">
+                <a16:creationId xmlns:a16="http://schemas.microsoft.com/office/drawing/2014/main" id="{492DFED2-F03D-2480-D48A-249FEEDD3505}"/>
+              </a:ext>
+            </a:extLst>
+          </p:cNvPr>
+          <p:cNvSpPr>
+            <a:spLocks noChangeAspect="1" noChangeArrowheads="1"/>
+          </p:cNvSpPr>
+          <p:nvPr/>
+        </p:nvSpPr>
+        <p:spPr bwMode="auto">
+          <a:xfrm>
+            <a:off x="2667000" y="0"/>
+            <a:ext cx="6858000" cy="6858000"/>
+          </a:xfrm>
+          <a:prstGeom prst="rect">
+            <a:avLst/>
+          </a:prstGeom>
+          <a:noFill/>
+          <a:extLst>
+            <a:ext uri="{909E8E84-426E-40DD-AFC4-6F175D3DCCD1}">
+              <a14:hiddenFill xmlns:a14="http://schemas.microsoft.com/office/drawing/2010/main">
+                <a:solidFill>
+                  <a:srgbClr val="FFFFFF"/>
+                </a:solidFill>
+              </a14:hiddenFill>
+            </a:ext>
+          </a:extLst>
+        </p:spPr>
+        <p:txBody>
+          <a:bodyPr vert="horz" wrap="square" lIns="91440" tIns="45720" rIns="91440" bIns="45720" numCol="1" anchor="t" anchorCtr="0" compatLnSpc="1">
+            <a:prstTxWarp prst="textNoShape">
+              <a:avLst/>
+            </a:prstTxWarp>
+          </a:bodyPr>
+          <a:lstStyle/>
+          <a:p>
+            <a:endParaRPr lang="ru-RU"/>
+          </a:p>
+        </p:txBody>
+      </p:sp>
+      <p:sp>
+        <p:nvSpPr>
+          <p:cNvPr id="12" name="AutoShape 4" descr="A majestic phoenix bird, glowing with fiery red and orange feathers, looking joyful and satisfied. The phoenix is radiating warmth and energy against a pure black background, with its feathers illuminated as if they are made of flames. The bird's expression should be content, with a proud posture, wings slightly spread, and a powerful, radiant glow that contrasts vividly against the dark backdrop.">
+            <a:extLst>
+              <a:ext uri="{FF2B5EF4-FFF2-40B4-BE49-F238E27FC236}">
+                <a16:creationId xmlns:a16="http://schemas.microsoft.com/office/drawing/2014/main" id="{CEBE5719-58C6-47DC-E585-634CF8860339}"/>
+              </a:ext>
+            </a:extLst>
+          </p:cNvPr>
+          <p:cNvSpPr>
+            <a:spLocks noChangeAspect="1" noChangeArrowheads="1"/>
+          </p:cNvSpPr>
+          <p:nvPr/>
+        </p:nvSpPr>
+        <p:spPr bwMode="auto">
+          <a:xfrm>
+            <a:off x="4745736" y="2078736"/>
+            <a:ext cx="4931664" cy="4931664"/>
+          </a:xfrm>
+          <a:prstGeom prst="rect">
+            <a:avLst/>
+          </a:prstGeom>
+          <a:noFill/>
+          <a:extLst>
+            <a:ext uri="{909E8E84-426E-40DD-AFC4-6F175D3DCCD1}">
+              <a14:hiddenFill xmlns:a14="http://schemas.microsoft.com/office/drawing/2010/main">
+                <a:solidFill>
+                  <a:srgbClr val="FFFFFF"/>
+                </a:solidFill>
+              </a14:hiddenFill>
+            </a:ext>
+          </a:extLst>
+        </p:spPr>
+        <p:txBody>
+          <a:bodyPr vert="horz" wrap="square" lIns="91440" tIns="45720" rIns="91440" bIns="45720" numCol="1" anchor="t" anchorCtr="0" compatLnSpc="1">
+            <a:prstTxWarp prst="textNoShape">
+              <a:avLst/>
+            </a:prstTxWarp>
+          </a:bodyPr>
+          <a:lstStyle/>
+          <a:p>
+            <a:endParaRPr lang="ru-RU"/>
+          </a:p>
+        </p:txBody>
+      </p:sp>
+      <p:sp>
+        <p:nvSpPr>
+          <p:cNvPr id="18" name="Объект 17">
+            <a:extLst>
+              <a:ext uri="{FF2B5EF4-FFF2-40B4-BE49-F238E27FC236}">
+                <a16:creationId xmlns:a16="http://schemas.microsoft.com/office/drawing/2014/main" id="{EA487DAE-7198-323A-2F81-8D697BC9B117}"/>
+              </a:ext>
+            </a:extLst>
+          </p:cNvPr>
+          <p:cNvSpPr>
+            <a:spLocks noGrp="1"/>
+          </p:cNvSpPr>
+          <p:nvPr>
+            <p:ph sz="half" idx="2"/>
+          </p:nvPr>
+        </p:nvSpPr>
+        <p:spPr/>
+        <p:txBody>
+          <a:bodyPr/>
+          <a:lstStyle/>
+          <a:p>
+            <a:endParaRPr lang="ru-RU" dirty="0"/>
+          </a:p>
+        </p:txBody>
+      </p:sp>
+    </p:spTree>
+    <p:extLst>
+      <p:ext uri="{BB962C8B-B14F-4D97-AF65-F5344CB8AC3E}">
+        <p14:creationId xmlns:p14="http://schemas.microsoft.com/office/powerpoint/2010/main" val="4173736631"/>
       </p:ext>
     </p:extLst>
   </p:cSld>
